--- a/AI_Sentiment_EKS_Presentation.pptx
+++ b/AI_Sentiment_EKS_Presentation.pptx
@@ -5,17 +5,17 @@
     <p:sldMasterId id="2147483648" r:id="rId1"/>
   </p:sldMasterIdLst>
   <p:sldIdLst>
-    <p:sldId id="256" r:id="rId7"/>
-    <p:sldId id="257" r:id="rId8"/>
-    <p:sldId id="258" r:id="rId9"/>
-    <p:sldId id="259" r:id="rId10"/>
-    <p:sldId id="260" r:id="rId11"/>
-    <p:sldId id="261" r:id="rId12"/>
-    <p:sldId id="262" r:id="rId13"/>
-    <p:sldId id="263" r:id="rId14"/>
-    <p:sldId id="264" r:id="rId15"/>
-    <p:sldId id="265" r:id="rId16"/>
-    <p:sldId id="266" r:id="rId17"/>
+    <p:sldId id="256" r:id="rId2"/>
+    <p:sldId id="257" r:id="rId3"/>
+    <p:sldId id="258" r:id="rId4"/>
+    <p:sldId id="259" r:id="rId5"/>
+    <p:sldId id="260" r:id="rId6"/>
+    <p:sldId id="261" r:id="rId7"/>
+    <p:sldId id="262" r:id="rId8"/>
+    <p:sldId id="263" r:id="rId9"/>
+    <p:sldId id="264" r:id="rId10"/>
+    <p:sldId id="265" r:id="rId11"/>
+    <p:sldId id="266" r:id="rId12"/>
   </p:sldIdLst>
   <p:sldSz cx="9144000" cy="6858000" type="screen4x3"/>
   <p:notesSz cx="6858000" cy="9144000"/>
@@ -114,6 +114,22 @@
       </a:defRPr>
     </a:lvl9pPr>
   </p:defaultTextStyle>
+  <p:extLst>
+    <p:ext uri="{EFAFB233-063F-42B5-8137-9DF3F51BA10A}">
+      <p15:sldGuideLst xmlns:p15="http://schemas.microsoft.com/office/powerpoint/2012/main">
+        <p15:guide id="1" orient="horz" pos="2160">
+          <p15:clr>
+            <a:srgbClr val="A4A3A4"/>
+          </p15:clr>
+        </p15:guide>
+        <p15:guide id="2" pos="2880">
+          <p15:clr>
+            <a:srgbClr val="A4A3A4"/>
+          </p15:clr>
+        </p15:guide>
+      </p15:sldGuideLst>
+    </p:ext>
+  </p:extLst>
 </p:presentation>
 </file>
 
@@ -155,10 +171,9 @@
           <a:lstStyle/>
           <a:p>
             <a:r>
-              <a:rPr lang="en-US" smtClean="0"/>
+              <a:rPr lang="en-US"/>
               <a:t>Click to edit Master title style</a:t>
             </a:r>
-            <a:endParaRPr lang="en-US"/>
           </a:p>
         </p:txBody>
       </p:sp>
@@ -274,10 +289,9 @@
           </a:lstStyle>
           <a:p>
             <a:r>
-              <a:rPr lang="en-US" smtClean="0"/>
+              <a:rPr lang="en-US"/>
               <a:t>Click to edit Master subtitle style</a:t>
             </a:r>
-            <a:endParaRPr lang="en-US"/>
           </a:p>
         </p:txBody>
       </p:sp>
@@ -298,7 +312,7 @@
           <a:p>
             <a:fld id="{5BCAD085-E8A6-8845-BD4E-CB4CCA059FC4}" type="datetimeFigureOut">
               <a:rPr lang="en-US" smtClean="0"/>
-              <a:t>1/27/13</a:t>
+              <a:t>8/25/2025</a:t>
             </a:fld>
             <a:endParaRPr lang="en-US"/>
           </a:p>
@@ -392,10 +406,9 @@
           <a:lstStyle/>
           <a:p>
             <a:r>
-              <a:rPr lang="en-US" smtClean="0"/>
+              <a:rPr lang="en-US"/>
               <a:t>Click to edit Master title style</a:t>
             </a:r>
-            <a:endParaRPr lang="en-US"/>
           </a:p>
         </p:txBody>
       </p:sp>
@@ -416,38 +429,37 @@
           <a:p>
             <a:pPr lvl="0"/>
             <a:r>
-              <a:rPr lang="en-US" smtClean="0"/>
+              <a:rPr lang="en-US"/>
               <a:t>Click to edit Master text styles</a:t>
             </a:r>
           </a:p>
           <a:p>
             <a:pPr lvl="1"/>
             <a:r>
-              <a:rPr lang="en-US" smtClean="0"/>
+              <a:rPr lang="en-US"/>
               <a:t>Second level</a:t>
             </a:r>
           </a:p>
           <a:p>
             <a:pPr lvl="2"/>
             <a:r>
-              <a:rPr lang="en-US" smtClean="0"/>
+              <a:rPr lang="en-US"/>
               <a:t>Third level</a:t>
             </a:r>
           </a:p>
           <a:p>
             <a:pPr lvl="3"/>
             <a:r>
-              <a:rPr lang="en-US" smtClean="0"/>
+              <a:rPr lang="en-US"/>
               <a:t>Fourth level</a:t>
             </a:r>
           </a:p>
           <a:p>
             <a:pPr lvl="4"/>
             <a:r>
-              <a:rPr lang="en-US" smtClean="0"/>
+              <a:rPr lang="en-US"/>
               <a:t>Fifth level</a:t>
             </a:r>
-            <a:endParaRPr lang="en-US"/>
           </a:p>
         </p:txBody>
       </p:sp>
@@ -468,7 +480,7 @@
           <a:p>
             <a:fld id="{5BCAD085-E8A6-8845-BD4E-CB4CCA059FC4}" type="datetimeFigureOut">
               <a:rPr lang="en-US" smtClean="0"/>
-              <a:t>1/27/13</a:t>
+              <a:t>8/25/2025</a:t>
             </a:fld>
             <a:endParaRPr lang="en-US"/>
           </a:p>
@@ -567,10 +579,9 @@
           <a:lstStyle/>
           <a:p>
             <a:r>
-              <a:rPr lang="en-US" smtClean="0"/>
+              <a:rPr lang="en-US"/>
               <a:t>Click to edit Master title style</a:t>
             </a:r>
-            <a:endParaRPr lang="en-US"/>
           </a:p>
         </p:txBody>
       </p:sp>
@@ -596,38 +607,37 @@
           <a:p>
             <a:pPr lvl="0"/>
             <a:r>
-              <a:rPr lang="en-US" smtClean="0"/>
+              <a:rPr lang="en-US"/>
               <a:t>Click to edit Master text styles</a:t>
             </a:r>
           </a:p>
           <a:p>
             <a:pPr lvl="1"/>
             <a:r>
-              <a:rPr lang="en-US" smtClean="0"/>
+              <a:rPr lang="en-US"/>
               <a:t>Second level</a:t>
             </a:r>
           </a:p>
           <a:p>
             <a:pPr lvl="2"/>
             <a:r>
-              <a:rPr lang="en-US" smtClean="0"/>
+              <a:rPr lang="en-US"/>
               <a:t>Third level</a:t>
             </a:r>
           </a:p>
           <a:p>
             <a:pPr lvl="3"/>
             <a:r>
-              <a:rPr lang="en-US" smtClean="0"/>
+              <a:rPr lang="en-US"/>
               <a:t>Fourth level</a:t>
             </a:r>
           </a:p>
           <a:p>
             <a:pPr lvl="4"/>
             <a:r>
-              <a:rPr lang="en-US" smtClean="0"/>
+              <a:rPr lang="en-US"/>
               <a:t>Fifth level</a:t>
             </a:r>
-            <a:endParaRPr lang="en-US"/>
           </a:p>
         </p:txBody>
       </p:sp>
@@ -648,7 +658,7 @@
           <a:p>
             <a:fld id="{5BCAD085-E8A6-8845-BD4E-CB4CCA059FC4}" type="datetimeFigureOut">
               <a:rPr lang="en-US" smtClean="0"/>
-              <a:t>1/27/13</a:t>
+              <a:t>8/25/2025</a:t>
             </a:fld>
             <a:endParaRPr lang="en-US"/>
           </a:p>
@@ -742,10 +752,9 @@
           <a:lstStyle/>
           <a:p>
             <a:r>
-              <a:rPr lang="en-US" smtClean="0"/>
+              <a:rPr lang="en-US"/>
               <a:t>Click to edit Master title style</a:t>
             </a:r>
-            <a:endParaRPr lang="en-US"/>
           </a:p>
         </p:txBody>
       </p:sp>
@@ -766,38 +775,37 @@
           <a:p>
             <a:pPr lvl="0"/>
             <a:r>
-              <a:rPr lang="en-US" smtClean="0"/>
+              <a:rPr lang="en-US"/>
               <a:t>Click to edit Master text styles</a:t>
             </a:r>
           </a:p>
           <a:p>
             <a:pPr lvl="1"/>
             <a:r>
-              <a:rPr lang="en-US" smtClean="0"/>
+              <a:rPr lang="en-US"/>
               <a:t>Second level</a:t>
             </a:r>
           </a:p>
           <a:p>
             <a:pPr lvl="2"/>
             <a:r>
-              <a:rPr lang="en-US" smtClean="0"/>
+              <a:rPr lang="en-US"/>
               <a:t>Third level</a:t>
             </a:r>
           </a:p>
           <a:p>
             <a:pPr lvl="3"/>
             <a:r>
-              <a:rPr lang="en-US" smtClean="0"/>
+              <a:rPr lang="en-US"/>
               <a:t>Fourth level</a:t>
             </a:r>
           </a:p>
           <a:p>
             <a:pPr lvl="4"/>
             <a:r>
-              <a:rPr lang="en-US" smtClean="0"/>
+              <a:rPr lang="en-US"/>
               <a:t>Fifth level</a:t>
             </a:r>
-            <a:endParaRPr lang="en-US"/>
           </a:p>
         </p:txBody>
       </p:sp>
@@ -818,7 +826,7 @@
           <a:p>
             <a:fld id="{5BCAD085-E8A6-8845-BD4E-CB4CCA059FC4}" type="datetimeFigureOut">
               <a:rPr lang="en-US" smtClean="0"/>
-              <a:t>1/27/13</a:t>
+              <a:t>8/25/2025</a:t>
             </a:fld>
             <a:endParaRPr lang="en-US"/>
           </a:p>
@@ -921,10 +929,9 @@
           </a:lstStyle>
           <a:p>
             <a:r>
-              <a:rPr lang="en-US" smtClean="0"/>
+              <a:rPr lang="en-US"/>
               <a:t>Click to edit Master title style</a:t>
             </a:r>
-            <a:endParaRPr lang="en-US"/>
           </a:p>
         </p:txBody>
       </p:sp>
@@ -1041,7 +1048,7 @@
           <a:p>
             <a:pPr lvl="0"/>
             <a:r>
-              <a:rPr lang="en-US" smtClean="0"/>
+              <a:rPr lang="en-US"/>
               <a:t>Click to edit Master text styles</a:t>
             </a:r>
           </a:p>
@@ -1064,7 +1071,7 @@
           <a:p>
             <a:fld id="{5BCAD085-E8A6-8845-BD4E-CB4CCA059FC4}" type="datetimeFigureOut">
               <a:rPr lang="en-US" smtClean="0"/>
-              <a:t>1/27/13</a:t>
+              <a:t>8/25/2025</a:t>
             </a:fld>
             <a:endParaRPr lang="en-US"/>
           </a:p>
@@ -1158,10 +1165,9 @@
           <a:lstStyle/>
           <a:p>
             <a:r>
-              <a:rPr lang="en-US" smtClean="0"/>
+              <a:rPr lang="en-US"/>
               <a:t>Click to edit Master title style</a:t>
             </a:r>
-            <a:endParaRPr lang="en-US"/>
           </a:p>
         </p:txBody>
       </p:sp>
@@ -1215,38 +1221,37 @@
           <a:p>
             <a:pPr lvl="0"/>
             <a:r>
-              <a:rPr lang="en-US" smtClean="0"/>
+              <a:rPr lang="en-US"/>
               <a:t>Click to edit Master text styles</a:t>
             </a:r>
           </a:p>
           <a:p>
             <a:pPr lvl="1"/>
             <a:r>
-              <a:rPr lang="en-US" smtClean="0"/>
+              <a:rPr lang="en-US"/>
               <a:t>Second level</a:t>
             </a:r>
           </a:p>
           <a:p>
             <a:pPr lvl="2"/>
             <a:r>
-              <a:rPr lang="en-US" smtClean="0"/>
+              <a:rPr lang="en-US"/>
               <a:t>Third level</a:t>
             </a:r>
           </a:p>
           <a:p>
             <a:pPr lvl="3"/>
             <a:r>
-              <a:rPr lang="en-US" smtClean="0"/>
+              <a:rPr lang="en-US"/>
               <a:t>Fourth level</a:t>
             </a:r>
           </a:p>
           <a:p>
             <a:pPr lvl="4"/>
             <a:r>
-              <a:rPr lang="en-US" smtClean="0"/>
+              <a:rPr lang="en-US"/>
               <a:t>Fifth level</a:t>
             </a:r>
-            <a:endParaRPr lang="en-US"/>
           </a:p>
         </p:txBody>
       </p:sp>
@@ -1300,38 +1305,37 @@
           <a:p>
             <a:pPr lvl="0"/>
             <a:r>
-              <a:rPr lang="en-US" smtClean="0"/>
+              <a:rPr lang="en-US"/>
               <a:t>Click to edit Master text styles</a:t>
             </a:r>
           </a:p>
           <a:p>
             <a:pPr lvl="1"/>
             <a:r>
-              <a:rPr lang="en-US" smtClean="0"/>
+              <a:rPr lang="en-US"/>
               <a:t>Second level</a:t>
             </a:r>
           </a:p>
           <a:p>
             <a:pPr lvl="2"/>
             <a:r>
-              <a:rPr lang="en-US" smtClean="0"/>
+              <a:rPr lang="en-US"/>
               <a:t>Third level</a:t>
             </a:r>
           </a:p>
           <a:p>
             <a:pPr lvl="3"/>
             <a:r>
-              <a:rPr lang="en-US" smtClean="0"/>
+              <a:rPr lang="en-US"/>
               <a:t>Fourth level</a:t>
             </a:r>
           </a:p>
           <a:p>
             <a:pPr lvl="4"/>
             <a:r>
-              <a:rPr lang="en-US" smtClean="0"/>
+              <a:rPr lang="en-US"/>
               <a:t>Fifth level</a:t>
             </a:r>
-            <a:endParaRPr lang="en-US"/>
           </a:p>
         </p:txBody>
       </p:sp>
@@ -1352,7 +1356,7 @@
           <a:p>
             <a:fld id="{5BCAD085-E8A6-8845-BD4E-CB4CCA059FC4}" type="datetimeFigureOut">
               <a:rPr lang="en-US" smtClean="0"/>
-              <a:t>1/27/13</a:t>
+              <a:t>8/25/2025</a:t>
             </a:fld>
             <a:endParaRPr lang="en-US"/>
           </a:p>
@@ -1450,10 +1454,9 @@
           </a:lstStyle>
           <a:p>
             <a:r>
-              <a:rPr lang="en-US" smtClean="0"/>
+              <a:rPr lang="en-US"/>
               <a:t>Click to edit Master title style</a:t>
             </a:r>
-            <a:endParaRPr lang="en-US"/>
           </a:p>
         </p:txBody>
       </p:sp>
@@ -1516,7 +1519,7 @@
           <a:p>
             <a:pPr lvl="0"/>
             <a:r>
-              <a:rPr lang="en-US" smtClean="0"/>
+              <a:rPr lang="en-US"/>
               <a:t>Click to edit Master text styles</a:t>
             </a:r>
           </a:p>
@@ -1572,38 +1575,37 @@
           <a:p>
             <a:pPr lvl="0"/>
             <a:r>
-              <a:rPr lang="en-US" smtClean="0"/>
+              <a:rPr lang="en-US"/>
               <a:t>Click to edit Master text styles</a:t>
             </a:r>
           </a:p>
           <a:p>
             <a:pPr lvl="1"/>
             <a:r>
-              <a:rPr lang="en-US" smtClean="0"/>
+              <a:rPr lang="en-US"/>
               <a:t>Second level</a:t>
             </a:r>
           </a:p>
           <a:p>
             <a:pPr lvl="2"/>
             <a:r>
-              <a:rPr lang="en-US" smtClean="0"/>
+              <a:rPr lang="en-US"/>
               <a:t>Third level</a:t>
             </a:r>
           </a:p>
           <a:p>
             <a:pPr lvl="3"/>
             <a:r>
-              <a:rPr lang="en-US" smtClean="0"/>
+              <a:rPr lang="en-US"/>
               <a:t>Fourth level</a:t>
             </a:r>
           </a:p>
           <a:p>
             <a:pPr lvl="4"/>
             <a:r>
-              <a:rPr lang="en-US" smtClean="0"/>
+              <a:rPr lang="en-US"/>
               <a:t>Fifth level</a:t>
             </a:r>
-            <a:endParaRPr lang="en-US"/>
           </a:p>
         </p:txBody>
       </p:sp>
@@ -1666,7 +1668,7 @@
           <a:p>
             <a:pPr lvl="0"/>
             <a:r>
-              <a:rPr lang="en-US" smtClean="0"/>
+              <a:rPr lang="en-US"/>
               <a:t>Click to edit Master text styles</a:t>
             </a:r>
           </a:p>
@@ -1722,38 +1724,37 @@
           <a:p>
             <a:pPr lvl="0"/>
             <a:r>
-              <a:rPr lang="en-US" smtClean="0"/>
+              <a:rPr lang="en-US"/>
               <a:t>Click to edit Master text styles</a:t>
             </a:r>
           </a:p>
           <a:p>
             <a:pPr lvl="1"/>
             <a:r>
-              <a:rPr lang="en-US" smtClean="0"/>
+              <a:rPr lang="en-US"/>
               <a:t>Second level</a:t>
             </a:r>
           </a:p>
           <a:p>
             <a:pPr lvl="2"/>
             <a:r>
-              <a:rPr lang="en-US" smtClean="0"/>
+              <a:rPr lang="en-US"/>
               <a:t>Third level</a:t>
             </a:r>
           </a:p>
           <a:p>
             <a:pPr lvl="3"/>
             <a:r>
-              <a:rPr lang="en-US" smtClean="0"/>
+              <a:rPr lang="en-US"/>
               <a:t>Fourth level</a:t>
             </a:r>
           </a:p>
           <a:p>
             <a:pPr lvl="4"/>
             <a:r>
-              <a:rPr lang="en-US" smtClean="0"/>
+              <a:rPr lang="en-US"/>
               <a:t>Fifth level</a:t>
             </a:r>
-            <a:endParaRPr lang="en-US"/>
           </a:p>
         </p:txBody>
       </p:sp>
@@ -1774,7 +1775,7 @@
           <a:p>
             <a:fld id="{5BCAD085-E8A6-8845-BD4E-CB4CCA059FC4}" type="datetimeFigureOut">
               <a:rPr lang="en-US" smtClean="0"/>
-              <a:t>1/27/13</a:t>
+              <a:t>8/25/2025</a:t>
             </a:fld>
             <a:endParaRPr lang="en-US"/>
           </a:p>
@@ -1868,10 +1869,9 @@
           <a:lstStyle/>
           <a:p>
             <a:r>
-              <a:rPr lang="en-US" smtClean="0"/>
+              <a:rPr lang="en-US"/>
               <a:t>Click to edit Master title style</a:t>
             </a:r>
-            <a:endParaRPr lang="en-US"/>
           </a:p>
         </p:txBody>
       </p:sp>
@@ -1892,7 +1892,7 @@
           <a:p>
             <a:fld id="{5BCAD085-E8A6-8845-BD4E-CB4CCA059FC4}" type="datetimeFigureOut">
               <a:rPr lang="en-US" smtClean="0"/>
-              <a:t>1/27/13</a:t>
+              <a:t>8/25/2025</a:t>
             </a:fld>
             <a:endParaRPr lang="en-US"/>
           </a:p>
@@ -1987,7 +1987,7 @@
           <a:p>
             <a:fld id="{5BCAD085-E8A6-8845-BD4E-CB4CCA059FC4}" type="datetimeFigureOut">
               <a:rPr lang="en-US" smtClean="0"/>
-              <a:t>1/27/13</a:t>
+              <a:t>8/25/2025</a:t>
             </a:fld>
             <a:endParaRPr lang="en-US"/>
           </a:p>
@@ -2090,10 +2090,9 @@
           </a:lstStyle>
           <a:p>
             <a:r>
-              <a:rPr lang="en-US" smtClean="0"/>
+              <a:rPr lang="en-US"/>
               <a:t>Click to edit Master title style</a:t>
             </a:r>
-            <a:endParaRPr lang="en-US"/>
           </a:p>
         </p:txBody>
       </p:sp>
@@ -2147,38 +2146,37 @@
           <a:p>
             <a:pPr lvl="0"/>
             <a:r>
-              <a:rPr lang="en-US" smtClean="0"/>
+              <a:rPr lang="en-US"/>
               <a:t>Click to edit Master text styles</a:t>
             </a:r>
           </a:p>
           <a:p>
             <a:pPr lvl="1"/>
             <a:r>
-              <a:rPr lang="en-US" smtClean="0"/>
+              <a:rPr lang="en-US"/>
               <a:t>Second level</a:t>
             </a:r>
           </a:p>
           <a:p>
             <a:pPr lvl="2"/>
             <a:r>
-              <a:rPr lang="en-US" smtClean="0"/>
+              <a:rPr lang="en-US"/>
               <a:t>Third level</a:t>
             </a:r>
           </a:p>
           <a:p>
             <a:pPr lvl="3"/>
             <a:r>
-              <a:rPr lang="en-US" smtClean="0"/>
+              <a:rPr lang="en-US"/>
               <a:t>Fourth level</a:t>
             </a:r>
           </a:p>
           <a:p>
             <a:pPr lvl="4"/>
             <a:r>
-              <a:rPr lang="en-US" smtClean="0"/>
+              <a:rPr lang="en-US"/>
               <a:t>Fifth level</a:t>
             </a:r>
-            <a:endParaRPr lang="en-US"/>
           </a:p>
         </p:txBody>
       </p:sp>
@@ -2241,7 +2239,7 @@
           <a:p>
             <a:pPr lvl="0"/>
             <a:r>
-              <a:rPr lang="en-US" smtClean="0"/>
+              <a:rPr lang="en-US"/>
               <a:t>Click to edit Master text styles</a:t>
             </a:r>
           </a:p>
@@ -2264,7 +2262,7 @@
           <a:p>
             <a:fld id="{5BCAD085-E8A6-8845-BD4E-CB4CCA059FC4}" type="datetimeFigureOut">
               <a:rPr lang="en-US" smtClean="0"/>
-              <a:t>1/27/13</a:t>
+              <a:t>8/25/2025</a:t>
             </a:fld>
             <a:endParaRPr lang="en-US"/>
           </a:p>
@@ -2367,10 +2365,9 @@
           </a:lstStyle>
           <a:p>
             <a:r>
-              <a:rPr lang="en-US" smtClean="0"/>
+              <a:rPr lang="en-US"/>
               <a:t>Click to edit Master title style</a:t>
             </a:r>
-            <a:endParaRPr lang="en-US"/>
           </a:p>
         </p:txBody>
       </p:sp>
@@ -2494,7 +2491,7 @@
           <a:p>
             <a:pPr lvl="0"/>
             <a:r>
-              <a:rPr lang="en-US" smtClean="0"/>
+              <a:rPr lang="en-US"/>
               <a:t>Click to edit Master text styles</a:t>
             </a:r>
           </a:p>
@@ -2517,7 +2514,7 @@
           <a:p>
             <a:fld id="{5BCAD085-E8A6-8845-BD4E-CB4CCA059FC4}" type="datetimeFigureOut">
               <a:rPr lang="en-US" smtClean="0"/>
-              <a:t>1/27/13</a:t>
+              <a:t>8/25/2025</a:t>
             </a:fld>
             <a:endParaRPr lang="en-US"/>
           </a:p>
@@ -2626,10 +2623,9 @@
           <a:lstStyle/>
           <a:p>
             <a:r>
-              <a:rPr lang="en-US" smtClean="0"/>
+              <a:rPr lang="en-US"/>
               <a:t>Click to edit Master title style</a:t>
             </a:r>
-            <a:endParaRPr lang="en-US"/>
           </a:p>
         </p:txBody>
       </p:sp>
@@ -2660,38 +2656,37 @@
           <a:p>
             <a:pPr lvl="0"/>
             <a:r>
-              <a:rPr lang="en-US" smtClean="0"/>
+              <a:rPr lang="en-US"/>
               <a:t>Click to edit Master text styles</a:t>
             </a:r>
           </a:p>
           <a:p>
             <a:pPr lvl="1"/>
             <a:r>
-              <a:rPr lang="en-US" smtClean="0"/>
+              <a:rPr lang="en-US"/>
               <a:t>Second level</a:t>
             </a:r>
           </a:p>
           <a:p>
             <a:pPr lvl="2"/>
             <a:r>
-              <a:rPr lang="en-US" smtClean="0"/>
+              <a:rPr lang="en-US"/>
               <a:t>Third level</a:t>
             </a:r>
           </a:p>
           <a:p>
             <a:pPr lvl="3"/>
             <a:r>
-              <a:rPr lang="en-US" smtClean="0"/>
+              <a:rPr lang="en-US"/>
               <a:t>Fourth level</a:t>
             </a:r>
           </a:p>
           <a:p>
             <a:pPr lvl="4"/>
             <a:r>
-              <a:rPr lang="en-US" smtClean="0"/>
+              <a:rPr lang="en-US"/>
               <a:t>Fifth level</a:t>
             </a:r>
-            <a:endParaRPr lang="en-US"/>
           </a:p>
         </p:txBody>
       </p:sp>
@@ -2730,7 +2725,7 @@
           <a:p>
             <a:fld id="{5BCAD085-E8A6-8845-BD4E-CB4CCA059FC4}" type="datetimeFigureOut">
               <a:rPr lang="en-US" smtClean="0"/>
-              <a:t>1/27/13</a:t>
+              <a:t>8/25/2025</a:t>
             </a:fld>
             <a:endParaRPr lang="en-US"/>
           </a:p>
@@ -3089,7 +3084,7 @@
 </file>
 
 <file path=ppt/slides/slide1.xml><?xml version="1.0" encoding="utf-8"?>
-<p:sld xmlns:a="http://schemas.openxmlformats.org/drawingml/2006/main" xmlns:p="http://schemas.openxmlformats.org/presentationml/2006/main" xmlns:r="http://schemas.openxmlformats.org/officeDocument/2006/relationships">
+<p:sld xmlns:a="http://schemas.openxmlformats.org/drawingml/2006/main" xmlns:r="http://schemas.openxmlformats.org/officeDocument/2006/relationships" xmlns:p="http://schemas.openxmlformats.org/presentationml/2006/main">
   <p:cSld>
     <p:spTree>
       <p:nvGrpSpPr>
@@ -3097,7 +3092,14 @@
         <p:cNvGrpSpPr/>
         <p:nvPr/>
       </p:nvGrpSpPr>
-      <p:grpSpPr/>
+      <p:grpSpPr>
+        <a:xfrm>
+          <a:off x="0" y="0"/>
+          <a:ext cx="0" cy="0"/>
+          <a:chOff x="0" y="0"/>
+          <a:chExt cx="0" cy="0"/>
+        </a:xfrm>
+      </p:grpSpPr>
       <p:sp>
         <p:nvSpPr>
           <p:cNvPr id="2" name="Title 1"/>
@@ -3135,12 +3137,36 @@
           <a:lstStyle/>
           <a:p>
             <a:r>
-              <a:t>Generated: 2025-08-25 13:27 UTC</a:t>
-            </a:r>
-          </a:p>
-          <a:p>
-            <a:r>
-              <a:t>Infra, CI/CD, Monitoring, Security &amp; DR</a:t>
+              <a:rPr dirty="0"/>
+              <a:t>Infra</a:t>
+            </a:r>
+            <a:endParaRPr lang="en-US" dirty="0"/>
+          </a:p>
+          <a:p>
+            <a:r>
+              <a:rPr dirty="0"/>
+              <a:t>CI/CD</a:t>
+            </a:r>
+            <a:endParaRPr lang="en-US" dirty="0"/>
+          </a:p>
+          <a:p>
+            <a:r>
+              <a:rPr dirty="0"/>
+              <a:t>Monitoring</a:t>
+            </a:r>
+            <a:endParaRPr lang="en-US" dirty="0"/>
+          </a:p>
+          <a:p>
+            <a:r>
+              <a:rPr dirty="0"/>
+              <a:t>Security </a:t>
+            </a:r>
+            <a:endParaRPr lang="en-US" dirty="0"/>
+          </a:p>
+          <a:p>
+            <a:r>
+              <a:rPr dirty="0"/>
+              <a:t>DR</a:t>
             </a:r>
           </a:p>
         </p:txBody>
@@ -3154,7 +3180,7 @@
 </file>
 
 <file path=ppt/slides/slide10.xml><?xml version="1.0" encoding="utf-8"?>
-<p:sld xmlns:a="http://schemas.openxmlformats.org/drawingml/2006/main" xmlns:p="http://schemas.openxmlformats.org/presentationml/2006/main" xmlns:r="http://schemas.openxmlformats.org/officeDocument/2006/relationships">
+<p:sld xmlns:a="http://schemas.openxmlformats.org/drawingml/2006/main" xmlns:r="http://schemas.openxmlformats.org/officeDocument/2006/relationships" xmlns:p="http://schemas.openxmlformats.org/presentationml/2006/main">
   <p:cSld>
     <p:spTree>
       <p:nvGrpSpPr>
@@ -3162,7 +3188,14 @@
         <p:cNvGrpSpPr/>
         <p:nvPr/>
       </p:nvGrpSpPr>
-      <p:grpSpPr/>
+      <p:grpSpPr>
+        <a:xfrm>
+          <a:off x="0" y="0"/>
+          <a:ext cx="0" cy="0"/>
+          <a:chOff x="0" y="0"/>
+          <a:chExt cx="0" cy="0"/>
+        </a:xfrm>
+      </p:grpSpPr>
       <p:sp>
         <p:nvSpPr>
           <p:cNvPr id="2" name="Title 1"/>
@@ -3224,7 +3257,7 @@
 </file>
 
 <file path=ppt/slides/slide11.xml><?xml version="1.0" encoding="utf-8"?>
-<p:sld xmlns:a="http://schemas.openxmlformats.org/drawingml/2006/main" xmlns:p="http://schemas.openxmlformats.org/presentationml/2006/main" xmlns:r="http://schemas.openxmlformats.org/officeDocument/2006/relationships">
+<p:sld xmlns:a="http://schemas.openxmlformats.org/drawingml/2006/main" xmlns:r="http://schemas.openxmlformats.org/officeDocument/2006/relationships" xmlns:p="http://schemas.openxmlformats.org/presentationml/2006/main">
   <p:cSld>
     <p:spTree>
       <p:nvGrpSpPr>
@@ -3232,7 +3265,14 @@
         <p:cNvGrpSpPr/>
         <p:nvPr/>
       </p:nvGrpSpPr>
-      <p:grpSpPr/>
+      <p:grpSpPr>
+        <a:xfrm>
+          <a:off x="0" y="0"/>
+          <a:ext cx="0" cy="0"/>
+          <a:chOff x="0" y="0"/>
+          <a:chExt cx="0" cy="0"/>
+        </a:xfrm>
+      </p:grpSpPr>
       <p:sp>
         <p:nvSpPr>
           <p:cNvPr id="2" name="Title 1"/>
@@ -3289,7 +3329,7 @@
 </file>
 
 <file path=ppt/slides/slide2.xml><?xml version="1.0" encoding="utf-8"?>
-<p:sld xmlns:a="http://schemas.openxmlformats.org/drawingml/2006/main" xmlns:p="http://schemas.openxmlformats.org/presentationml/2006/main" xmlns:r="http://schemas.openxmlformats.org/officeDocument/2006/relationships">
+<p:sld xmlns:a="http://schemas.openxmlformats.org/drawingml/2006/main" xmlns:r="http://schemas.openxmlformats.org/officeDocument/2006/relationships" xmlns:p="http://schemas.openxmlformats.org/presentationml/2006/main">
   <p:cSld>
     <p:spTree>
       <p:nvGrpSpPr>
@@ -3297,7 +3337,14 @@
         <p:cNvGrpSpPr/>
         <p:nvPr/>
       </p:nvGrpSpPr>
-      <p:grpSpPr/>
+      <p:grpSpPr>
+        <a:xfrm>
+          <a:off x="0" y="0"/>
+          <a:ext cx="0" cy="0"/>
+          <a:chOff x="0" y="0"/>
+          <a:chExt cx="0" cy="0"/>
+        </a:xfrm>
+      </p:grpSpPr>
       <p:sp>
         <p:nvSpPr>
           <p:cNvPr id="2" name="Title 1"/>
@@ -3359,7 +3406,7 @@
 </file>
 
 <file path=ppt/slides/slide3.xml><?xml version="1.0" encoding="utf-8"?>
-<p:sld xmlns:a="http://schemas.openxmlformats.org/drawingml/2006/main" xmlns:p="http://schemas.openxmlformats.org/presentationml/2006/main" xmlns:r="http://schemas.openxmlformats.org/officeDocument/2006/relationships">
+<p:sld xmlns:a="http://schemas.openxmlformats.org/drawingml/2006/main" xmlns:r="http://schemas.openxmlformats.org/officeDocument/2006/relationships" xmlns:p="http://schemas.openxmlformats.org/presentationml/2006/main">
   <p:cSld>
     <p:spTree>
       <p:nvGrpSpPr>
@@ -3367,7 +3414,14 @@
         <p:cNvGrpSpPr/>
         <p:nvPr/>
       </p:nvGrpSpPr>
-      <p:grpSpPr/>
+      <p:grpSpPr>
+        <a:xfrm>
+          <a:off x="0" y="0"/>
+          <a:ext cx="0" cy="0"/>
+          <a:chOff x="0" y="0"/>
+          <a:chExt cx="0" cy="0"/>
+        </a:xfrm>
+      </p:grpSpPr>
       <p:sp>
         <p:nvSpPr>
           <p:cNvPr id="2" name="Title 1"/>
@@ -3405,16 +3459,19 @@
           <a:lstStyle/>
           <a:p>
             <a:r>
+              <a:rPr dirty="0"/>
               <a:t>Endpoints: /, /sentiment, /health, /metrics</a:t>
             </a:r>
           </a:p>
           <a:p>
             <a:r>
+              <a:rPr dirty="0"/>
               <a:t>Prometheus client: counters + histograms</a:t>
             </a:r>
           </a:p>
           <a:p>
             <a:r>
+              <a:rPr dirty="0"/>
               <a:t>Image: python:3.11-slim; port 5000</a:t>
             </a:r>
           </a:p>
@@ -3429,7 +3486,7 @@
 </file>
 
 <file path=ppt/slides/slide4.xml><?xml version="1.0" encoding="utf-8"?>
-<p:sld xmlns:a="http://schemas.openxmlformats.org/drawingml/2006/main" xmlns:p="http://schemas.openxmlformats.org/presentationml/2006/main" xmlns:r="http://schemas.openxmlformats.org/officeDocument/2006/relationships">
+<p:sld xmlns:a="http://schemas.openxmlformats.org/drawingml/2006/main" xmlns:r="http://schemas.openxmlformats.org/officeDocument/2006/relationships" xmlns:p="http://schemas.openxmlformats.org/presentationml/2006/main">
   <p:cSld>
     <p:spTree>
       <p:nvGrpSpPr>
@@ -3437,7 +3494,14 @@
         <p:cNvGrpSpPr/>
         <p:nvPr/>
       </p:nvGrpSpPr>
-      <p:grpSpPr/>
+      <p:grpSpPr>
+        <a:xfrm>
+          <a:off x="0" y="0"/>
+          <a:ext cx="0" cy="0"/>
+          <a:chOff x="0" y="0"/>
+          <a:chExt cx="0" cy="0"/>
+        </a:xfrm>
+      </p:grpSpPr>
       <p:sp>
         <p:nvSpPr>
           <p:cNvPr id="2" name="Title 1"/>
@@ -3475,17 +3539,44 @@
           <a:lstStyle/>
           <a:p>
             <a:r>
-              <a:t>Test → (Trivy) → Build → Push → Deploy → Smoke test</a:t>
-            </a:r>
-          </a:p>
-          <a:p>
-            <a:r>
-              <a:t>ECR or Docker Hub; OIDC/IRSA preferred</a:t>
-            </a:r>
-          </a:p>
-          <a:p>
-            <a:r>
-              <a:t>Rollback: kubectl rollout undo</a:t>
+              <a:rPr dirty="0"/>
+              <a:t>Test → Build → Push → Deploy → Smoke test</a:t>
+            </a:r>
+            <a:endParaRPr lang="en-US" dirty="0"/>
+          </a:p>
+          <a:p>
+            <a:endParaRPr dirty="0"/>
+          </a:p>
+          <a:p>
+            <a:r>
+              <a:rPr dirty="0"/>
+              <a:t>ECR</a:t>
+            </a:r>
+            <a:r>
+              <a:rPr lang="en-US" dirty="0"/>
+              <a:t> </a:t>
+            </a:r>
+            <a:r>
+              <a:rPr dirty="0"/>
+              <a:t>; IRSA preferred</a:t>
+            </a:r>
+            <a:endParaRPr lang="en-US" dirty="0"/>
+          </a:p>
+          <a:p>
+            <a:endParaRPr dirty="0"/>
+          </a:p>
+          <a:p>
+            <a:r>
+              <a:rPr dirty="0"/>
+              <a:t>Rollback: </a:t>
+            </a:r>
+            <a:r>
+              <a:rPr dirty="0" err="1"/>
+              <a:t>kubectl</a:t>
+            </a:r>
+            <a:r>
+              <a:rPr dirty="0"/>
+              <a:t> rollout undo</a:t>
             </a:r>
           </a:p>
         </p:txBody>
@@ -3499,7 +3590,7 @@
 </file>
 
 <file path=ppt/slides/slide5.xml><?xml version="1.0" encoding="utf-8"?>
-<p:sld xmlns:a="http://schemas.openxmlformats.org/drawingml/2006/main" xmlns:p="http://schemas.openxmlformats.org/presentationml/2006/main" xmlns:r="http://schemas.openxmlformats.org/officeDocument/2006/relationships">
+<p:sld xmlns:a="http://schemas.openxmlformats.org/drawingml/2006/main" xmlns:r="http://schemas.openxmlformats.org/officeDocument/2006/relationships" xmlns:p="http://schemas.openxmlformats.org/presentationml/2006/main">
   <p:cSld>
     <p:spTree>
       <p:nvGrpSpPr>
@@ -3507,7 +3598,14 @@
         <p:cNvGrpSpPr/>
         <p:nvPr/>
       </p:nvGrpSpPr>
-      <p:grpSpPr/>
+      <p:grpSpPr>
+        <a:xfrm>
+          <a:off x="0" y="0"/>
+          <a:ext cx="0" cy="0"/>
+          <a:chOff x="0" y="0"/>
+          <a:chExt cx="0" cy="0"/>
+        </a:xfrm>
+      </p:grpSpPr>
       <p:sp>
         <p:nvSpPr>
           <p:cNvPr id="2" name="Title 1"/>
@@ -3574,7 +3672,7 @@
 </file>
 
 <file path=ppt/slides/slide6.xml><?xml version="1.0" encoding="utf-8"?>
-<p:sld xmlns:a="http://schemas.openxmlformats.org/drawingml/2006/main" xmlns:p="http://schemas.openxmlformats.org/presentationml/2006/main" xmlns:r="http://schemas.openxmlformats.org/officeDocument/2006/relationships">
+<p:sld xmlns:a="http://schemas.openxmlformats.org/drawingml/2006/main" xmlns:r="http://schemas.openxmlformats.org/officeDocument/2006/relationships" xmlns:p="http://schemas.openxmlformats.org/presentationml/2006/main">
   <p:cSld>
     <p:spTree>
       <p:nvGrpSpPr>
@@ -3582,7 +3680,14 @@
         <p:cNvGrpSpPr/>
         <p:nvPr/>
       </p:nvGrpSpPr>
-      <p:grpSpPr/>
+      <p:grpSpPr>
+        <a:xfrm>
+          <a:off x="0" y="0"/>
+          <a:ext cx="0" cy="0"/>
+          <a:chOff x="0" y="0"/>
+          <a:chExt cx="0" cy="0"/>
+        </a:xfrm>
+      </p:grpSpPr>
       <p:sp>
         <p:nvSpPr>
           <p:cNvPr id="2" name="Title 1"/>
@@ -3620,22 +3725,30 @@
           <a:lstStyle/>
           <a:p>
             <a:r>
+              <a:rPr dirty="0"/>
               <a:t>TLS via ALB (self-signed or ACM)</a:t>
             </a:r>
           </a:p>
           <a:p>
             <a:r>
+              <a:rPr dirty="0"/>
               <a:t>IRSA least privilege; RBAC</a:t>
             </a:r>
           </a:p>
           <a:p>
             <a:r>
-              <a:t>NetworkPolicy; SG restrictions; private nodes</a:t>
-            </a:r>
-          </a:p>
-          <a:p>
-            <a:r>
-              <a:t>Secrets: K8s Secret/KMS or AWS Secrets Manager</a:t>
+              <a:rPr dirty="0" err="1"/>
+              <a:t>NetworkPolicy</a:t>
+            </a:r>
+            <a:r>
+              <a:rPr dirty="0"/>
+              <a:t>; SG restrictions; private nodes</a:t>
+            </a:r>
+          </a:p>
+          <a:p>
+            <a:r>
+              <a:rPr dirty="0"/>
+              <a:t>Secrets: K8s Secret</a:t>
             </a:r>
           </a:p>
         </p:txBody>
@@ -3649,7 +3762,7 @@
 </file>
 
 <file path=ppt/slides/slide7.xml><?xml version="1.0" encoding="utf-8"?>
-<p:sld xmlns:a="http://schemas.openxmlformats.org/drawingml/2006/main" xmlns:p="http://schemas.openxmlformats.org/presentationml/2006/main" xmlns:r="http://schemas.openxmlformats.org/officeDocument/2006/relationships">
+<p:sld xmlns:a="http://schemas.openxmlformats.org/drawingml/2006/main" xmlns:r="http://schemas.openxmlformats.org/officeDocument/2006/relationships" xmlns:p="http://schemas.openxmlformats.org/presentationml/2006/main">
   <p:cSld>
     <p:spTree>
       <p:nvGrpSpPr>
@@ -3657,7 +3770,14 @@
         <p:cNvGrpSpPr/>
         <p:nvPr/>
       </p:nvGrpSpPr>
-      <p:grpSpPr/>
+      <p:grpSpPr>
+        <a:xfrm>
+          <a:off x="0" y="0"/>
+          <a:ext cx="0" cy="0"/>
+          <a:chOff x="0" y="0"/>
+          <a:chExt cx="0" cy="0"/>
+        </a:xfrm>
+      </p:grpSpPr>
       <p:sp>
         <p:nvSpPr>
           <p:cNvPr id="2" name="Title 1"/>
@@ -3695,23 +3815,46 @@
           <a:lstStyle/>
           <a:p>
             <a:r>
+              <a:rPr dirty="0"/>
               <a:t>Stateless → redeploy from Git/Helm</a:t>
             </a:r>
-          </a:p>
-          <a:p>
-            <a:r>
-              <a:t>Terraform reprovisions infra (S3+DDB)</a:t>
-            </a:r>
-          </a:p>
-          <a:p>
-            <a:r>
-              <a:t>Snapshots for RDS/EBS; optional Velero</a:t>
-            </a:r>
-          </a:p>
-          <a:p>
-            <a:r>
-              <a:t>Targets: RTO 15–30m • RPO &lt; 1h</a:t>
-            </a:r>
+            <a:endParaRPr lang="en-US" dirty="0"/>
+          </a:p>
+          <a:p>
+            <a:endParaRPr dirty="0"/>
+          </a:p>
+          <a:p>
+            <a:r>
+              <a:rPr dirty="0"/>
+              <a:t>Terraform </a:t>
+            </a:r>
+            <a:r>
+              <a:rPr dirty="0" err="1"/>
+              <a:t>reprovisions</a:t>
+            </a:r>
+            <a:r>
+              <a:rPr dirty="0"/>
+              <a:t> infra (S3+DDB)</a:t>
+            </a:r>
+            <a:endParaRPr lang="en-US" dirty="0"/>
+          </a:p>
+          <a:p>
+            <a:endParaRPr dirty="0"/>
+          </a:p>
+          <a:p>
+            <a:r>
+              <a:rPr dirty="0"/>
+              <a:t>Snapshots for RDS/EBS; optional </a:t>
+            </a:r>
+            <a:r>
+              <a:rPr dirty="0" err="1"/>
+              <a:t>Veler</a:t>
+            </a:r>
+            <a:r>
+              <a:rPr lang="en-US" dirty="0" err="1"/>
+              <a:t>o</a:t>
+            </a:r>
+            <a:endParaRPr dirty="0"/>
           </a:p>
         </p:txBody>
       </p:sp>
@@ -3724,7 +3867,7 @@
 </file>
 
 <file path=ppt/slides/slide8.xml><?xml version="1.0" encoding="utf-8"?>
-<p:sld xmlns:a="http://schemas.openxmlformats.org/drawingml/2006/main" xmlns:p="http://schemas.openxmlformats.org/presentationml/2006/main" xmlns:r="http://schemas.openxmlformats.org/officeDocument/2006/relationships">
+<p:sld xmlns:a="http://schemas.openxmlformats.org/drawingml/2006/main" xmlns:r="http://schemas.openxmlformats.org/officeDocument/2006/relationships" xmlns:p="http://schemas.openxmlformats.org/presentationml/2006/main">
   <p:cSld>
     <p:spTree>
       <p:nvGrpSpPr>
@@ -3732,7 +3875,14 @@
         <p:cNvGrpSpPr/>
         <p:nvPr/>
       </p:nvGrpSpPr>
-      <p:grpSpPr/>
+      <p:grpSpPr>
+        <a:xfrm>
+          <a:off x="0" y="0"/>
+          <a:ext cx="0" cy="0"/>
+          <a:chOff x="0" y="0"/>
+          <a:chExt cx="0" cy="0"/>
+        </a:xfrm>
+      </p:grpSpPr>
       <p:sp>
         <p:nvSpPr>
           <p:cNvPr id="2" name="Title 1"/>
@@ -3770,22 +3920,30 @@
           <a:lstStyle/>
           <a:p>
             <a:r>
+              <a:rPr dirty="0"/>
               <a:t>Delete pods → Deployment heals</a:t>
             </a:r>
           </a:p>
           <a:p>
             <a:r>
+              <a:rPr dirty="0"/>
               <a:t>Drain/terminate node → ASG replaces</a:t>
             </a:r>
           </a:p>
           <a:p>
             <a:r>
+              <a:rPr dirty="0"/>
               <a:t>Delete svc/ingress → re-apply manifests</a:t>
             </a:r>
           </a:p>
           <a:p>
             <a:r>
-              <a:t>Velero backup/restore (optional)</a:t>
+              <a:rPr dirty="0" err="1"/>
+              <a:t>Velero</a:t>
+            </a:r>
+            <a:r>
+              <a:rPr dirty="0"/>
+              <a:t> backup/restore (optional)</a:t>
             </a:r>
           </a:p>
         </p:txBody>
@@ -3799,7 +3957,7 @@
 </file>
 
 <file path=ppt/slides/slide9.xml><?xml version="1.0" encoding="utf-8"?>
-<p:sld xmlns:a="http://schemas.openxmlformats.org/drawingml/2006/main" xmlns:p="http://schemas.openxmlformats.org/presentationml/2006/main" xmlns:r="http://schemas.openxmlformats.org/officeDocument/2006/relationships">
+<p:sld xmlns:a="http://schemas.openxmlformats.org/drawingml/2006/main" xmlns:r="http://schemas.openxmlformats.org/officeDocument/2006/relationships" xmlns:p="http://schemas.openxmlformats.org/presentationml/2006/main">
   <p:cSld>
     <p:spTree>
       <p:nvGrpSpPr>
@@ -3807,7 +3965,14 @@
         <p:cNvGrpSpPr/>
         <p:nvPr/>
       </p:nvGrpSpPr>
-      <p:grpSpPr/>
+      <p:grpSpPr>
+        <a:xfrm>
+          <a:off x="0" y="0"/>
+          <a:ext cx="0" cy="0"/>
+          <a:chOff x="0" y="0"/>
+          <a:chExt cx="0" cy="0"/>
+        </a:xfrm>
+      </p:grpSpPr>
       <p:sp>
         <p:nvSpPr>
           <p:cNvPr id="2" name="Title 1"/>
@@ -3845,17 +4010,48 @@
           <a:lstStyle/>
           <a:p>
             <a:r>
-              <a:t>Scale: kubectl scale ...; HPA handles load</a:t>
-            </a:r>
-          </a:p>
-          <a:p>
-            <a:r>
-              <a:t>Observability: Grafana + PromQL</a:t>
-            </a:r>
-          </a:p>
-          <a:p>
-            <a:r>
-              <a:t>Audit: CloudTrail, GuardDuty, Inspector</a:t>
+              <a:rPr dirty="0"/>
+              <a:t>Scale: </a:t>
+            </a:r>
+            <a:r>
+              <a:rPr dirty="0" err="1"/>
+              <a:t>kubectl</a:t>
+            </a:r>
+            <a:r>
+              <a:rPr dirty="0"/>
+              <a:t> scale ...; HPA handles load</a:t>
+            </a:r>
+            <a:endParaRPr lang="en-US" dirty="0"/>
+          </a:p>
+          <a:p>
+            <a:endParaRPr dirty="0"/>
+          </a:p>
+          <a:p>
+            <a:r>
+              <a:rPr dirty="0"/>
+              <a:t>Observability: Grafana + </a:t>
+            </a:r>
+            <a:r>
+              <a:rPr dirty="0" err="1"/>
+              <a:t>PromQL</a:t>
+            </a:r>
+            <a:endParaRPr lang="en-US" dirty="0"/>
+          </a:p>
+          <a:p>
+            <a:endParaRPr dirty="0"/>
+          </a:p>
+          <a:p>
+            <a:r>
+              <a:rPr dirty="0"/>
+              <a:t>Audit: CloudTrail, </a:t>
+            </a:r>
+            <a:r>
+              <a:rPr dirty="0" err="1"/>
+              <a:t>GuardDuty</a:t>
+            </a:r>
+            <a:r>
+              <a:rPr dirty="0"/>
+              <a:t>, Inspector</a:t>
             </a:r>
           </a:p>
         </p:txBody>
